--- a/CSE 118 - Vendos.pptx
+++ b/CSE 118 - Vendos.pptx
@@ -5,18 +5,17 @@
     <p:sldMasterId id="2147483648" r:id="rId1"/>
   </p:sldMasterIdLst>
   <p:notesMasterIdLst>
-    <p:notesMasterId r:id="rId11"/>
+    <p:notesMasterId r:id="rId10"/>
   </p:notesMasterIdLst>
   <p:sldIdLst>
     <p:sldId id="256" r:id="rId2"/>
     <p:sldId id="257" r:id="rId3"/>
     <p:sldId id="264" r:id="rId4"/>
-    <p:sldId id="265" r:id="rId5"/>
-    <p:sldId id="261" r:id="rId6"/>
-    <p:sldId id="258" r:id="rId7"/>
-    <p:sldId id="266" r:id="rId8"/>
-    <p:sldId id="259" r:id="rId9"/>
-    <p:sldId id="260" r:id="rId10"/>
+    <p:sldId id="261" r:id="rId5"/>
+    <p:sldId id="258" r:id="rId6"/>
+    <p:sldId id="266" r:id="rId7"/>
+    <p:sldId id="259" r:id="rId8"/>
+    <p:sldId id="260" r:id="rId9"/>
   </p:sldIdLst>
   <p:sldSz cx="9144000" cy="6858000" type="screen4x3"/>
   <p:notesSz cx="6858000" cy="9144000"/>
@@ -668,7 +667,7 @@
           <a:p>
             <a:fld id="{5CE631E1-218E-9341-8EAC-0CAE701A09D2}" type="slidenum">
               <a:rPr lang="en-US" smtClean="0"/>
-              <a:t>8</a:t>
+              <a:t>7</a:t>
             </a:fld>
             <a:endParaRPr lang="en-US"/>
           </a:p>
@@ -4160,20 +4159,15 @@
       </p:grpSpPr>
       <p:sp>
         <p:nvSpPr>
-          <p:cNvPr id="5" name="Title 4"/>
-          <p:cNvSpPr>
-            <a:spLocks noGrp="1"/>
-          </p:cNvSpPr>
-          <p:nvPr>
-            <p:ph type="ctrTitle"/>
-          </p:nvPr>
-        </p:nvSpPr>
-        <p:spPr>
-          <a:xfrm>
-            <a:off x="685800" y="2441728"/>
-            <a:ext cx="7772400" cy="1470025"/>
-          </a:xfrm>
-        </p:spPr>
+          <p:cNvPr id="2" name="Title 1"/>
+          <p:cNvSpPr>
+            <a:spLocks noGrp="1"/>
+          </p:cNvSpPr>
+          <p:nvPr>
+            <p:ph type="title"/>
+          </p:nvPr>
+        </p:nvSpPr>
+        <p:spPr/>
         <p:txBody>
           <a:bodyPr/>
           <a:lstStyle/>
@@ -4181,7 +4175,7 @@
             <a:r>
               <a:rPr lang="en-US" dirty="0" smtClean="0">
                 <a:solidFill>
-                  <a:srgbClr val="3366FF"/>
+                  <a:srgbClr val="FFE808"/>
                 </a:solidFill>
                 <a:latin typeface="Consolas"/>
                 <a:cs typeface="Consolas"/>
@@ -4190,7 +4184,7 @@
             </a:r>
             <a:endParaRPr lang="en-US" dirty="0">
               <a:solidFill>
-                <a:srgbClr val="3366FF"/>
+                <a:srgbClr val="FFE808"/>
               </a:solidFill>
               <a:latin typeface="Consolas"/>
               <a:cs typeface="Consolas"/>
@@ -4198,10 +4192,283 @@
           </a:p>
         </p:txBody>
       </p:sp>
+      <p:sp>
+        <p:nvSpPr>
+          <p:cNvPr id="3" name="Content Placeholder 2"/>
+          <p:cNvSpPr>
+            <a:spLocks noGrp="1"/>
+          </p:cNvSpPr>
+          <p:nvPr>
+            <p:ph idx="1"/>
+          </p:nvPr>
+        </p:nvSpPr>
+        <p:spPr/>
+        <p:txBody>
+          <a:bodyPr>
+            <a:normAutofit fontScale="92500" lnSpcReduction="10000"/>
+          </a:bodyPr>
+          <a:lstStyle/>
+          <a:p>
+            <a:r>
+              <a:rPr lang="en-US" dirty="0" smtClean="0">
+                <a:solidFill>
+                  <a:srgbClr val="E12C72"/>
+                </a:solidFill>
+                <a:latin typeface="Consolas"/>
+                <a:cs typeface="Consolas"/>
+              </a:rPr>
+              <a:t>Cost-Effective</a:t>
+            </a:r>
+            <a:endParaRPr lang="en-US" dirty="0" smtClean="0">
+              <a:solidFill>
+                <a:srgbClr val="E12C72"/>
+              </a:solidFill>
+              <a:latin typeface="Consolas"/>
+              <a:cs typeface="Consolas"/>
+            </a:endParaRPr>
+          </a:p>
+          <a:p>
+            <a:pPr lvl="1"/>
+            <a:r>
+              <a:rPr lang="en-US" sz="2600" dirty="0" err="1" smtClean="0">
+                <a:solidFill>
+                  <a:srgbClr val="FFFFFF"/>
+                </a:solidFill>
+                <a:latin typeface="Consolas"/>
+                <a:cs typeface="Consolas"/>
+              </a:rPr>
+              <a:t>Kinect</a:t>
+            </a:r>
+            <a:r>
+              <a:rPr lang="en-US" sz="2600" dirty="0" smtClean="0">
+                <a:solidFill>
+                  <a:srgbClr val="00FF80"/>
+                </a:solidFill>
+                <a:latin typeface="Consolas"/>
+                <a:cs typeface="Consolas"/>
+              </a:rPr>
+              <a:t> </a:t>
+            </a:r>
+            <a:r>
+              <a:rPr lang="en-US" sz="2600" dirty="0" smtClean="0">
+                <a:solidFill>
+                  <a:srgbClr val="00FF80"/>
+                </a:solidFill>
+                <a:latin typeface="Consolas"/>
+                <a:cs typeface="Consolas"/>
+              </a:rPr>
+              <a:t>($20</a:t>
+            </a:r>
+            <a:r>
+              <a:rPr lang="en-US" sz="2600" dirty="0" smtClean="0">
+                <a:solidFill>
+                  <a:srgbClr val="00FF80"/>
+                </a:solidFill>
+                <a:latin typeface="Consolas"/>
+                <a:cs typeface="Consolas"/>
+              </a:rPr>
+              <a:t>)</a:t>
+            </a:r>
+            <a:r>
+              <a:rPr lang="en-US" sz="2600" dirty="0" smtClean="0">
+                <a:solidFill>
+                  <a:srgbClr val="FFFFFF"/>
+                </a:solidFill>
+                <a:latin typeface="Consolas"/>
+                <a:cs typeface="Consolas"/>
+              </a:rPr>
+              <a:t>, </a:t>
+            </a:r>
+            <a:r>
+              <a:rPr lang="en-US" sz="2600" dirty="0" err="1" smtClean="0">
+                <a:solidFill>
+                  <a:srgbClr val="FFFFFF"/>
+                </a:solidFill>
+                <a:latin typeface="Consolas"/>
+                <a:cs typeface="Consolas"/>
+              </a:rPr>
+              <a:t>Arduino</a:t>
+            </a:r>
+            <a:r>
+              <a:rPr lang="en-US" sz="2600" dirty="0" smtClean="0">
+                <a:solidFill>
+                  <a:srgbClr val="FFFFFF"/>
+                </a:solidFill>
+                <a:latin typeface="Consolas"/>
+                <a:cs typeface="Consolas"/>
+              </a:rPr>
+              <a:t> </a:t>
+            </a:r>
+            <a:r>
+              <a:rPr lang="en-US" sz="2600" dirty="0" smtClean="0">
+                <a:solidFill>
+                  <a:srgbClr val="00FF80"/>
+                </a:solidFill>
+                <a:latin typeface="Consolas"/>
+                <a:cs typeface="Consolas"/>
+              </a:rPr>
+              <a:t>($30</a:t>
+            </a:r>
+            <a:r>
+              <a:rPr lang="en-US" sz="2600" dirty="0" smtClean="0">
+                <a:solidFill>
+                  <a:srgbClr val="00FF80"/>
+                </a:solidFill>
+                <a:latin typeface="Consolas"/>
+                <a:cs typeface="Consolas"/>
+              </a:rPr>
+              <a:t>)</a:t>
+            </a:r>
+            <a:r>
+              <a:rPr lang="en-US" sz="2600" dirty="0" smtClean="0">
+                <a:solidFill>
+                  <a:srgbClr val="FFFFFF"/>
+                </a:solidFill>
+                <a:latin typeface="Consolas"/>
+                <a:cs typeface="Consolas"/>
+              </a:rPr>
+              <a:t>, Other </a:t>
+            </a:r>
+            <a:r>
+              <a:rPr lang="en-US" sz="2600" dirty="0" smtClean="0">
+                <a:solidFill>
+                  <a:srgbClr val="00FF80"/>
+                </a:solidFill>
+                <a:latin typeface="Consolas"/>
+                <a:cs typeface="Consolas"/>
+              </a:rPr>
+              <a:t>($15.86)</a:t>
+            </a:r>
+            <a:endParaRPr lang="en-US" sz="2600" dirty="0" smtClean="0">
+              <a:solidFill>
+                <a:srgbClr val="00FF80"/>
+              </a:solidFill>
+              <a:latin typeface="Consolas"/>
+              <a:cs typeface="Consolas"/>
+            </a:endParaRPr>
+          </a:p>
+          <a:p>
+            <a:pPr lvl="1"/>
+            <a:r>
+              <a:rPr lang="en-US" dirty="0" smtClean="0">
+                <a:solidFill>
+                  <a:srgbClr val="FFFFFF"/>
+                </a:solidFill>
+                <a:latin typeface="Consolas"/>
+                <a:cs typeface="Consolas"/>
+              </a:rPr>
+              <a:t>No need to replace existing appliances</a:t>
+            </a:r>
+          </a:p>
+          <a:p>
+            <a:pPr lvl="1"/>
+            <a:r>
+              <a:rPr lang="en-US" dirty="0" smtClean="0">
+                <a:solidFill>
+                  <a:srgbClr val="FFFFFF"/>
+                </a:solidFill>
+                <a:latin typeface="Consolas"/>
+                <a:cs typeface="Consolas"/>
+              </a:rPr>
+              <a:t>No need to do </a:t>
+            </a:r>
+            <a:r>
+              <a:rPr lang="en-US" dirty="0" smtClean="0">
+                <a:solidFill>
+                  <a:srgbClr val="00FF00"/>
+                </a:solidFill>
+                <a:latin typeface="Consolas"/>
+                <a:cs typeface="Consolas"/>
+              </a:rPr>
+              <a:t>internal</a:t>
+            </a:r>
+            <a:r>
+              <a:rPr lang="en-US" dirty="0" smtClean="0">
+                <a:solidFill>
+                  <a:srgbClr val="FFFFFF"/>
+                </a:solidFill>
+                <a:latin typeface="Consolas"/>
+                <a:cs typeface="Consolas"/>
+              </a:rPr>
+              <a:t> home modifications</a:t>
+            </a:r>
+          </a:p>
+          <a:p>
+            <a:r>
+              <a:rPr lang="en-US" dirty="0" smtClean="0">
+                <a:solidFill>
+                  <a:srgbClr val="E12C72"/>
+                </a:solidFill>
+                <a:latin typeface="Consolas"/>
+                <a:cs typeface="Consolas"/>
+              </a:rPr>
+              <a:t>Single </a:t>
+            </a:r>
+            <a:r>
+              <a:rPr lang="en-US" dirty="0" smtClean="0">
+                <a:solidFill>
+                  <a:srgbClr val="E12C72"/>
+                </a:solidFill>
+                <a:latin typeface="Consolas"/>
+                <a:cs typeface="Consolas"/>
+              </a:rPr>
+              <a:t>hub for controlling household appliances and devices</a:t>
+            </a:r>
+          </a:p>
+          <a:p>
+            <a:pPr lvl="1"/>
+            <a:r>
+              <a:rPr lang="en-US" dirty="0" smtClean="0">
+                <a:solidFill>
+                  <a:srgbClr val="FFFFFF"/>
+                </a:solidFill>
+                <a:latin typeface="Consolas"/>
+                <a:cs typeface="Consolas"/>
+              </a:rPr>
+              <a:t>Gesture</a:t>
+            </a:r>
+            <a:r>
+              <a:rPr lang="en-US" dirty="0" smtClean="0">
+                <a:solidFill>
+                  <a:schemeClr val="bg1"/>
+                </a:solidFill>
+                <a:latin typeface="Consolas"/>
+                <a:cs typeface="Consolas"/>
+              </a:rPr>
+              <a:t> &amp; Voice Control</a:t>
+            </a:r>
+            <a:endParaRPr lang="en-US" dirty="0" smtClean="0">
+              <a:solidFill>
+                <a:schemeClr val="bg1"/>
+              </a:solidFill>
+              <a:latin typeface="Consolas"/>
+              <a:cs typeface="Consolas"/>
+            </a:endParaRPr>
+          </a:p>
+          <a:p>
+            <a:r>
+              <a:rPr lang="en-US" dirty="0" smtClean="0">
+                <a:solidFill>
+                  <a:srgbClr val="E12C72"/>
+                </a:solidFill>
+                <a:latin typeface="Consolas"/>
+                <a:cs typeface="Consolas"/>
+              </a:rPr>
+              <a:t>Monitor activity for accidents (future)</a:t>
+            </a:r>
+          </a:p>
+          <a:p>
+            <a:endParaRPr lang="en-US" dirty="0">
+              <a:latin typeface="Consolas"/>
+              <a:cs typeface="Consolas"/>
+            </a:endParaRPr>
+          </a:p>
+        </p:txBody>
+      </p:sp>
     </p:spTree>
     <p:extLst>
       <p:ext uri="{BB962C8B-B14F-4D97-AF65-F5344CB8AC3E}">
-        <p14:creationId xmlns:p14="http://schemas.microsoft.com/office/powerpoint/2010/main" val="2295962741"/>
+        <p14:creationId xmlns:p14="http://schemas.microsoft.com/office/powerpoint/2010/main" val="252410153"/>
       </p:ext>
     </p:extLst>
   </p:cSld>
@@ -4253,351 +4520,6 @@
             <a:r>
               <a:rPr lang="en-US" dirty="0" smtClean="0">
                 <a:solidFill>
-                  <a:srgbClr val="FFE808"/>
-                </a:solidFill>
-                <a:latin typeface="Consolas"/>
-                <a:cs typeface="Consolas"/>
-              </a:rPr>
-              <a:t>Project Goals</a:t>
-            </a:r>
-            <a:endParaRPr lang="en-US" dirty="0">
-              <a:solidFill>
-                <a:srgbClr val="FFE808"/>
-              </a:solidFill>
-              <a:latin typeface="Consolas"/>
-              <a:cs typeface="Consolas"/>
-            </a:endParaRPr>
-          </a:p>
-        </p:txBody>
-      </p:sp>
-      <p:sp>
-        <p:nvSpPr>
-          <p:cNvPr id="3" name="Content Placeholder 2"/>
-          <p:cNvSpPr>
-            <a:spLocks noGrp="1"/>
-          </p:cNvSpPr>
-          <p:nvPr>
-            <p:ph idx="1"/>
-          </p:nvPr>
-        </p:nvSpPr>
-        <p:spPr/>
-        <p:txBody>
-          <a:bodyPr>
-            <a:normAutofit fontScale="92500" lnSpcReduction="10000"/>
-          </a:bodyPr>
-          <a:lstStyle/>
-          <a:p>
-            <a:r>
-              <a:rPr lang="en-US" dirty="0" smtClean="0">
-                <a:solidFill>
-                  <a:srgbClr val="E12C72"/>
-                </a:solidFill>
-                <a:latin typeface="Consolas"/>
-                <a:cs typeface="Consolas"/>
-              </a:rPr>
-              <a:t>Cost-Effective</a:t>
-            </a:r>
-            <a:endParaRPr lang="en-US" dirty="0" smtClean="0">
-              <a:solidFill>
-                <a:srgbClr val="E12C72"/>
-              </a:solidFill>
-              <a:latin typeface="Consolas"/>
-              <a:cs typeface="Consolas"/>
-            </a:endParaRPr>
-          </a:p>
-          <a:p>
-            <a:pPr lvl="1"/>
-            <a:r>
-              <a:rPr lang="en-US" sz="2600" dirty="0" err="1" smtClean="0">
-                <a:solidFill>
-                  <a:srgbClr val="FFFFFF"/>
-                </a:solidFill>
-                <a:latin typeface="Consolas"/>
-                <a:cs typeface="Consolas"/>
-              </a:rPr>
-              <a:t>Kinect</a:t>
-            </a:r>
-            <a:r>
-              <a:rPr lang="en-US" sz="2600" dirty="0" smtClean="0">
-                <a:solidFill>
-                  <a:srgbClr val="00FF80"/>
-                </a:solidFill>
-                <a:latin typeface="Consolas"/>
-                <a:cs typeface="Consolas"/>
-              </a:rPr>
-              <a:t> </a:t>
-            </a:r>
-            <a:r>
-              <a:rPr lang="en-US" sz="2600" dirty="0" smtClean="0">
-                <a:solidFill>
-                  <a:srgbClr val="00FF80"/>
-                </a:solidFill>
-                <a:latin typeface="Consolas"/>
-                <a:cs typeface="Consolas"/>
-              </a:rPr>
-              <a:t>($20</a:t>
-            </a:r>
-            <a:r>
-              <a:rPr lang="en-US" sz="2600" dirty="0" smtClean="0">
-                <a:solidFill>
-                  <a:srgbClr val="00FF80"/>
-                </a:solidFill>
-                <a:latin typeface="Consolas"/>
-                <a:cs typeface="Consolas"/>
-              </a:rPr>
-              <a:t>)</a:t>
-            </a:r>
-            <a:r>
-              <a:rPr lang="en-US" sz="2600" dirty="0" smtClean="0">
-                <a:solidFill>
-                  <a:srgbClr val="FFFFFF"/>
-                </a:solidFill>
-                <a:latin typeface="Consolas"/>
-                <a:cs typeface="Consolas"/>
-              </a:rPr>
-              <a:t>, </a:t>
-            </a:r>
-            <a:r>
-              <a:rPr lang="en-US" sz="2600" dirty="0" err="1" smtClean="0">
-                <a:solidFill>
-                  <a:srgbClr val="FFFFFF"/>
-                </a:solidFill>
-                <a:latin typeface="Consolas"/>
-                <a:cs typeface="Consolas"/>
-              </a:rPr>
-              <a:t>Arduino</a:t>
-            </a:r>
-            <a:r>
-              <a:rPr lang="en-US" sz="2600" dirty="0" smtClean="0">
-                <a:solidFill>
-                  <a:srgbClr val="FFFFFF"/>
-                </a:solidFill>
-                <a:latin typeface="Consolas"/>
-                <a:cs typeface="Consolas"/>
-              </a:rPr>
-              <a:t> </a:t>
-            </a:r>
-            <a:r>
-              <a:rPr lang="en-US" sz="2600" dirty="0" smtClean="0">
-                <a:solidFill>
-                  <a:srgbClr val="00FF80"/>
-                </a:solidFill>
-                <a:latin typeface="Consolas"/>
-                <a:cs typeface="Consolas"/>
-              </a:rPr>
-              <a:t>($30</a:t>
-            </a:r>
-            <a:r>
-              <a:rPr lang="en-US" sz="2600" dirty="0" smtClean="0">
-                <a:solidFill>
-                  <a:srgbClr val="00FF80"/>
-                </a:solidFill>
-                <a:latin typeface="Consolas"/>
-                <a:cs typeface="Consolas"/>
-              </a:rPr>
-              <a:t>)</a:t>
-            </a:r>
-            <a:r>
-              <a:rPr lang="en-US" sz="2600" dirty="0" smtClean="0">
-                <a:solidFill>
-                  <a:srgbClr val="FFFFFF"/>
-                </a:solidFill>
-                <a:latin typeface="Consolas"/>
-                <a:cs typeface="Consolas"/>
-              </a:rPr>
-              <a:t>, Other </a:t>
-            </a:r>
-            <a:r>
-              <a:rPr lang="en-US" sz="2600" dirty="0" smtClean="0">
-                <a:solidFill>
-                  <a:srgbClr val="00FF80"/>
-                </a:solidFill>
-                <a:latin typeface="Consolas"/>
-                <a:cs typeface="Consolas"/>
-              </a:rPr>
-              <a:t>($15.86)</a:t>
-            </a:r>
-            <a:endParaRPr lang="en-US" sz="2600" dirty="0" smtClean="0">
-              <a:solidFill>
-                <a:srgbClr val="00FF80"/>
-              </a:solidFill>
-              <a:latin typeface="Consolas"/>
-              <a:cs typeface="Consolas"/>
-            </a:endParaRPr>
-          </a:p>
-          <a:p>
-            <a:pPr lvl="1"/>
-            <a:r>
-              <a:rPr lang="en-US" dirty="0" smtClean="0">
-                <a:solidFill>
-                  <a:srgbClr val="FFFFFF"/>
-                </a:solidFill>
-                <a:latin typeface="Consolas"/>
-                <a:cs typeface="Consolas"/>
-              </a:rPr>
-              <a:t>No need to replace existing appliances</a:t>
-            </a:r>
-          </a:p>
-          <a:p>
-            <a:pPr lvl="1"/>
-            <a:r>
-              <a:rPr lang="en-US" dirty="0" smtClean="0">
-                <a:solidFill>
-                  <a:srgbClr val="FFFFFF"/>
-                </a:solidFill>
-                <a:latin typeface="Consolas"/>
-                <a:cs typeface="Consolas"/>
-              </a:rPr>
-              <a:t>No need to do </a:t>
-            </a:r>
-            <a:r>
-              <a:rPr lang="en-US" dirty="0" smtClean="0">
-                <a:solidFill>
-                  <a:srgbClr val="00FF00"/>
-                </a:solidFill>
-                <a:latin typeface="Consolas"/>
-                <a:cs typeface="Consolas"/>
-              </a:rPr>
-              <a:t>internal</a:t>
-            </a:r>
-            <a:r>
-              <a:rPr lang="en-US" dirty="0" smtClean="0">
-                <a:solidFill>
-                  <a:srgbClr val="FFFFFF"/>
-                </a:solidFill>
-                <a:latin typeface="Consolas"/>
-                <a:cs typeface="Consolas"/>
-              </a:rPr>
-              <a:t> home modifications</a:t>
-            </a:r>
-          </a:p>
-          <a:p>
-            <a:r>
-              <a:rPr lang="en-US" dirty="0" smtClean="0">
-                <a:solidFill>
-                  <a:srgbClr val="E12C72"/>
-                </a:solidFill>
-                <a:latin typeface="Consolas"/>
-                <a:cs typeface="Consolas"/>
-              </a:rPr>
-              <a:t>Single </a:t>
-            </a:r>
-            <a:r>
-              <a:rPr lang="en-US" dirty="0" smtClean="0">
-                <a:solidFill>
-                  <a:srgbClr val="E12C72"/>
-                </a:solidFill>
-                <a:latin typeface="Consolas"/>
-                <a:cs typeface="Consolas"/>
-              </a:rPr>
-              <a:t>hub for controlling household appliances and devices</a:t>
-            </a:r>
-          </a:p>
-          <a:p>
-            <a:pPr lvl="1"/>
-            <a:r>
-              <a:rPr lang="en-US" dirty="0" smtClean="0">
-                <a:solidFill>
-                  <a:srgbClr val="FFFFFF"/>
-                </a:solidFill>
-                <a:latin typeface="Consolas"/>
-                <a:cs typeface="Consolas"/>
-              </a:rPr>
-              <a:t>Gesture</a:t>
-            </a:r>
-            <a:r>
-              <a:rPr lang="en-US" dirty="0" smtClean="0">
-                <a:solidFill>
-                  <a:schemeClr val="bg1"/>
-                </a:solidFill>
-                <a:latin typeface="Consolas"/>
-                <a:cs typeface="Consolas"/>
-              </a:rPr>
-              <a:t> &amp; Voice Control</a:t>
-            </a:r>
-            <a:endParaRPr lang="en-US" dirty="0" smtClean="0">
-              <a:solidFill>
-                <a:schemeClr val="bg1"/>
-              </a:solidFill>
-              <a:latin typeface="Consolas"/>
-              <a:cs typeface="Consolas"/>
-            </a:endParaRPr>
-          </a:p>
-          <a:p>
-            <a:r>
-              <a:rPr lang="en-US" dirty="0" smtClean="0">
-                <a:solidFill>
-                  <a:srgbClr val="E12C72"/>
-                </a:solidFill>
-                <a:latin typeface="Consolas"/>
-                <a:cs typeface="Consolas"/>
-              </a:rPr>
-              <a:t>Monitor activity for accidents (future)</a:t>
-            </a:r>
-          </a:p>
-          <a:p>
-            <a:endParaRPr lang="en-US" dirty="0">
-              <a:latin typeface="Consolas"/>
-              <a:cs typeface="Consolas"/>
-            </a:endParaRPr>
-          </a:p>
-        </p:txBody>
-      </p:sp>
-    </p:spTree>
-    <p:extLst>
-      <p:ext uri="{BB962C8B-B14F-4D97-AF65-F5344CB8AC3E}">
-        <p14:creationId xmlns:p14="http://schemas.microsoft.com/office/powerpoint/2010/main" val="252410153"/>
-      </p:ext>
-    </p:extLst>
-  </p:cSld>
-  <p:clrMapOvr>
-    <a:masterClrMapping/>
-  </p:clrMapOvr>
-  <p:timing>
-    <p:tnLst>
-      <p:par>
-        <p:cTn xmlns:p14="http://schemas.microsoft.com/office/powerpoint/2010/main" id="1" dur="indefinite" restart="never" nodeType="tmRoot"/>
-      </p:par>
-    </p:tnLst>
-  </p:timing>
-</p:sld>
-</file>
-
-<file path=ppt/slides/slide6.xml><?xml version="1.0" encoding="utf-8"?>
-<p:sld xmlns:a="http://schemas.openxmlformats.org/drawingml/2006/main" xmlns:r="http://schemas.openxmlformats.org/officeDocument/2006/relationships" xmlns:p="http://schemas.openxmlformats.org/presentationml/2006/main">
-  <p:cSld>
-    <p:spTree>
-      <p:nvGrpSpPr>
-        <p:cNvPr id="1" name=""/>
-        <p:cNvGrpSpPr/>
-        <p:nvPr/>
-      </p:nvGrpSpPr>
-      <p:grpSpPr>
-        <a:xfrm>
-          <a:off x="0" y="0"/>
-          <a:ext cx="0" cy="0"/>
-          <a:chOff x="0" y="0"/>
-          <a:chExt cx="0" cy="0"/>
-        </a:xfrm>
-      </p:grpSpPr>
-      <p:sp>
-        <p:nvSpPr>
-          <p:cNvPr id="2" name="Title 1"/>
-          <p:cNvSpPr>
-            <a:spLocks noGrp="1"/>
-          </p:cNvSpPr>
-          <p:nvPr>
-            <p:ph type="title"/>
-          </p:nvPr>
-        </p:nvSpPr>
-        <p:spPr/>
-        <p:txBody>
-          <a:bodyPr/>
-          <a:lstStyle/>
-          <a:p>
-            <a:r>
-              <a:rPr lang="en-US" dirty="0" smtClean="0">
-                <a:solidFill>
                   <a:srgbClr val="FF3399"/>
                 </a:solidFill>
                 <a:latin typeface="Consolas"/>
@@ -4974,7 +4896,7 @@
 </p:sld>
 </file>
 
-<file path=ppt/slides/slide7.xml><?xml version="1.0" encoding="utf-8"?>
+<file path=ppt/slides/slide6.xml><?xml version="1.0" encoding="utf-8"?>
 <p:sld xmlns:a="http://schemas.openxmlformats.org/drawingml/2006/main" xmlns:r="http://schemas.openxmlformats.org/officeDocument/2006/relationships" xmlns:p="http://schemas.openxmlformats.org/presentationml/2006/main">
   <p:cSld>
     <p:spTree>
@@ -5147,7 +5069,7 @@
 </p:sld>
 </file>
 
-<file path=ppt/slides/slide8.xml><?xml version="1.0" encoding="utf-8"?>
+<file path=ppt/slides/slide7.xml><?xml version="1.0" encoding="utf-8"?>
 <p:sld xmlns:a="http://schemas.openxmlformats.org/drawingml/2006/main" xmlns:r="http://schemas.openxmlformats.org/officeDocument/2006/relationships" xmlns:p="http://schemas.openxmlformats.org/presentationml/2006/main">
   <p:cSld>
     <p:spTree>
@@ -5479,7 +5401,7 @@
 </p:sld>
 </file>
 
-<file path=ppt/slides/slide9.xml><?xml version="1.0" encoding="utf-8"?>
+<file path=ppt/slides/slide8.xml><?xml version="1.0" encoding="utf-8"?>
 <p:sld xmlns:a="http://schemas.openxmlformats.org/drawingml/2006/main" xmlns:r="http://schemas.openxmlformats.org/officeDocument/2006/relationships" xmlns:p="http://schemas.openxmlformats.org/presentationml/2006/main">
   <p:cSld>
     <p:spTree>
